--- a/Detailed Operational Design.pptx
+++ b/Detailed Operational Design.pptx
@@ -3338,14 +3338,19 @@
         </p:nvSpPr>
         <p:spPr>
           <a:xfrm>
-            <a:off x="1524000" y="1122680"/>
-            <a:ext cx="9144000" cy="1791970"/>
+            <a:off x="1088390" y="1083945"/>
+            <a:ext cx="7503795" cy="1177290"/>
           </a:xfrm>
         </p:spPr>
         <p:txBody>
           <a:bodyPr/>
           <a:lstStyle/>
           <a:p>
+            <a:pPr algn="ctr">
+              <a:lnSpc>
+                <a:spcPct val="80000"/>
+              </a:lnSpc>
+            </a:pPr>
             <a:r>
               <a:rPr lang="en-GB" altLang="en-US" sz="4000" b="1" dirty="0">
                 <a:solidFill>
@@ -3477,6 +3482,32 @@
           </a:p>
         </p:txBody>
       </p:sp>
+      <p:pic>
+        <p:nvPicPr>
+          <p:cNvPr id="6" name="Content Placeholder 5"/>
+          <p:cNvPicPr>
+            <a:picLocks noChangeAspect="1"/>
+          </p:cNvPicPr>
+          <p:nvPr>
+            <p:ph sz="half" idx="2"/>
+          </p:nvPr>
+        </p:nvPicPr>
+        <p:blipFill>
+          <a:blip r:embed="rId1"/>
+          <a:stretch>
+            <a:fillRect/>
+          </a:stretch>
+        </p:blipFill>
+        <p:spPr>
+          <a:xfrm>
+            <a:off x="8467725" y="764540"/>
+            <a:ext cx="2867660" cy="2336165"/>
+          </a:xfrm>
+          <a:prstGeom prst="rect">
+            <a:avLst/>
+          </a:prstGeom>
+        </p:spPr>
+      </p:pic>
     </p:spTree>
   </p:cSld>
   <p:clrMapOvr>
